--- a/Lecture#21/Lecture_21_handout.pptx
+++ b/Lecture#21/Lecture_21_handout.pptx
@@ -6,10 +6,10 @@
     <p:sldMasterId id="2147483665" r:id="rId2"/>
   </p:sldMasterIdLst>
   <p:notesMasterIdLst>
-    <p:notesMasterId r:id="rId19"/>
+    <p:notesMasterId r:id="rId18"/>
   </p:notesMasterIdLst>
   <p:handoutMasterIdLst>
-    <p:handoutMasterId r:id="rId20"/>
+    <p:handoutMasterId r:id="rId19"/>
   </p:handoutMasterIdLst>
   <p:sldIdLst>
     <p:sldId id="260" r:id="rId3"/>
@@ -19,15 +19,14 @@
     <p:sldId id="476" r:id="rId7"/>
     <p:sldId id="477" r:id="rId8"/>
     <p:sldId id="417" r:id="rId9"/>
-    <p:sldId id="419" r:id="rId10"/>
-    <p:sldId id="420" r:id="rId11"/>
-    <p:sldId id="478" r:id="rId12"/>
-    <p:sldId id="424" r:id="rId13"/>
-    <p:sldId id="479" r:id="rId14"/>
-    <p:sldId id="480" r:id="rId15"/>
-    <p:sldId id="425" r:id="rId16"/>
-    <p:sldId id="481" r:id="rId17"/>
-    <p:sldId id="482" r:id="rId18"/>
+    <p:sldId id="420" r:id="rId10"/>
+    <p:sldId id="478" r:id="rId11"/>
+    <p:sldId id="424" r:id="rId12"/>
+    <p:sldId id="479" r:id="rId13"/>
+    <p:sldId id="480" r:id="rId14"/>
+    <p:sldId id="425" r:id="rId15"/>
+    <p:sldId id="481" r:id="rId16"/>
+    <p:sldId id="482" r:id="rId17"/>
   </p:sldIdLst>
   <p:sldSz cx="10058400" cy="7772400"/>
   <p:notesSz cx="7315200" cy="9601200"/>
@@ -906,343 +905,6 @@
     <p:extLst>
       <p:ext uri="{BB962C8B-B14F-4D97-AF65-F5344CB8AC3E}">
         <p14:creationId xmlns:p14="http://schemas.microsoft.com/office/powerpoint/2010/main" val="4168006862"/>
-      </p:ext>
-    </p:extLst>
-  </p:cSld>
-  <p:clrMapOvr>
-    <a:masterClrMapping/>
-  </p:clrMapOvr>
-</p:notes>
-</file>
-
-<file path=ppt/notesSlides/notesSlide4.xml><?xml version="1.0" encoding="utf-8"?>
-<p:notes xmlns:a="http://schemas.openxmlformats.org/drawingml/2006/main" xmlns:r="http://schemas.openxmlformats.org/officeDocument/2006/relationships" xmlns:p="http://schemas.openxmlformats.org/presentationml/2006/main">
-  <p:cSld>
-    <p:spTree>
-      <p:nvGrpSpPr>
-        <p:cNvPr id="1" name=""/>
-        <p:cNvGrpSpPr/>
-        <p:nvPr/>
-      </p:nvGrpSpPr>
-      <p:grpSpPr>
-        <a:xfrm>
-          <a:off x="0" y="0"/>
-          <a:ext cx="0" cy="0"/>
-          <a:chOff x="0" y="0"/>
-          <a:chExt cx="0" cy="0"/>
-        </a:xfrm>
-      </p:grpSpPr>
-      <p:sp>
-        <p:nvSpPr>
-          <p:cNvPr id="2" name="Slide Image Placeholder 1"/>
-          <p:cNvSpPr>
-            <a:spLocks noGrp="1" noRot="1" noChangeAspect="1"/>
-          </p:cNvSpPr>
-          <p:nvPr>
-            <p:ph type="sldImg"/>
-          </p:nvPr>
-        </p:nvSpPr>
-        <p:spPr/>
-      </p:sp>
-      <p:sp>
-        <p:nvSpPr>
-          <p:cNvPr id="3" name="Notes Placeholder 2"/>
-          <p:cNvSpPr>
-            <a:spLocks noGrp="1"/>
-          </p:cNvSpPr>
-          <p:nvPr>
-            <p:ph type="body" idx="1"/>
-          </p:nvPr>
-        </p:nvSpPr>
-        <p:spPr/>
-        <p:txBody>
-          <a:bodyPr/>
-          <a:lstStyle/>
-          <a:p>
-            <a:r>
-              <a:rPr lang="en-US" sz="1300" kern="1200" dirty="0">
-                <a:solidFill>
-                  <a:schemeClr val="tx1"/>
-                </a:solidFill>
-                <a:effectLst/>
-                <a:latin typeface="+mn-lt"/>
-                <a:ea typeface="+mn-ea"/>
-                <a:cs typeface="+mn-cs"/>
-              </a:rPr>
-              <a:t>void </a:t>
-            </a:r>
-            <a:r>
-              <a:rPr lang="en-US" sz="1300" kern="1200" dirty="0" err="1">
-                <a:solidFill>
-                  <a:schemeClr val="tx1"/>
-                </a:solidFill>
-                <a:effectLst/>
-                <a:latin typeface="+mn-lt"/>
-                <a:ea typeface="+mn-ea"/>
-                <a:cs typeface="+mn-cs"/>
-              </a:rPr>
-              <a:t>bfs_bintree</a:t>
-            </a:r>
-            <a:r>
-              <a:rPr lang="en-US" sz="1300" kern="1200" dirty="0">
-                <a:solidFill>
-                  <a:schemeClr val="tx1"/>
-                </a:solidFill>
-                <a:effectLst/>
-                <a:latin typeface="+mn-lt"/>
-                <a:ea typeface="+mn-ea"/>
-                <a:cs typeface="+mn-cs"/>
-              </a:rPr>
-              <a:t> (</a:t>
-            </a:r>
-            <a:r>
-              <a:rPr lang="en-US" sz="1300" kern="1200" dirty="0" err="1">
-                <a:solidFill>
-                  <a:schemeClr val="tx1"/>
-                </a:solidFill>
-                <a:effectLst/>
-                <a:latin typeface="+mn-lt"/>
-                <a:ea typeface="+mn-ea"/>
-                <a:cs typeface="+mn-cs"/>
-              </a:rPr>
-              <a:t>btree_t</a:t>
-            </a:r>
-            <a:r>
-              <a:rPr lang="en-US" sz="1300" kern="1200" dirty="0">
-                <a:solidFill>
-                  <a:schemeClr val="tx1"/>
-                </a:solidFill>
-                <a:effectLst/>
-                <a:latin typeface="+mn-lt"/>
-                <a:ea typeface="+mn-ea"/>
-                <a:cs typeface="+mn-cs"/>
-              </a:rPr>
-              <a:t> *head) { </a:t>
-            </a:r>
-            <a:r>
-              <a:rPr lang="en-US" sz="1300" kern="1200" dirty="0" err="1">
-                <a:solidFill>
-                  <a:schemeClr val="tx1"/>
-                </a:solidFill>
-                <a:effectLst/>
-                <a:latin typeface="+mn-lt"/>
-                <a:ea typeface="+mn-ea"/>
-                <a:cs typeface="+mn-cs"/>
-              </a:rPr>
-              <a:t>queue_t</a:t>
-            </a:r>
-            <a:r>
-              <a:rPr lang="en-US" sz="1300" kern="1200" dirty="0">
-                <a:solidFill>
-                  <a:schemeClr val="tx1"/>
-                </a:solidFill>
-                <a:effectLst/>
-                <a:latin typeface="+mn-lt"/>
-                <a:ea typeface="+mn-ea"/>
-                <a:cs typeface="+mn-cs"/>
-              </a:rPr>
-              <a:t> *q; </a:t>
-            </a:r>
-            <a:r>
-              <a:rPr lang="en-US" sz="1300" kern="1200" dirty="0" err="1">
-                <a:solidFill>
-                  <a:schemeClr val="tx1"/>
-                </a:solidFill>
-                <a:effectLst/>
-                <a:latin typeface="+mn-lt"/>
-                <a:ea typeface="+mn-ea"/>
-                <a:cs typeface="+mn-cs"/>
-              </a:rPr>
-              <a:t>btree_t</a:t>
-            </a:r>
-            <a:r>
-              <a:rPr lang="en-US" sz="1300" kern="1200" dirty="0">
-                <a:solidFill>
-                  <a:schemeClr val="tx1"/>
-                </a:solidFill>
-                <a:effectLst/>
-                <a:latin typeface="+mn-lt"/>
-                <a:ea typeface="+mn-ea"/>
-                <a:cs typeface="+mn-cs"/>
-              </a:rPr>
-              <a:t> *temp; q = </a:t>
-            </a:r>
-            <a:r>
-              <a:rPr lang="en-US" sz="1300" kern="1200" dirty="0" err="1">
-                <a:solidFill>
-                  <a:schemeClr val="tx1"/>
-                </a:solidFill>
-                <a:effectLst/>
-                <a:latin typeface="+mn-lt"/>
-                <a:ea typeface="+mn-ea"/>
-                <a:cs typeface="+mn-cs"/>
-              </a:rPr>
-              <a:t>queue_allocate</a:t>
-            </a:r>
-            <a:r>
-              <a:rPr lang="en-US" sz="1300" kern="1200" dirty="0">
-                <a:solidFill>
-                  <a:schemeClr val="tx1"/>
-                </a:solidFill>
-                <a:effectLst/>
-                <a:latin typeface="+mn-lt"/>
-                <a:ea typeface="+mn-ea"/>
-                <a:cs typeface="+mn-cs"/>
-              </a:rPr>
-              <a:t> (); </a:t>
-            </a:r>
-            <a:r>
-              <a:rPr lang="en-US" sz="1300" kern="1200" dirty="0" err="1">
-                <a:solidFill>
-                  <a:schemeClr val="tx1"/>
-                </a:solidFill>
-                <a:effectLst/>
-                <a:latin typeface="+mn-lt"/>
-                <a:ea typeface="+mn-ea"/>
-                <a:cs typeface="+mn-cs"/>
-              </a:rPr>
-              <a:t>queue_insert</a:t>
-            </a:r>
-            <a:r>
-              <a:rPr lang="en-US" sz="1300" kern="1200" dirty="0">
-                <a:solidFill>
-                  <a:schemeClr val="tx1"/>
-                </a:solidFill>
-                <a:effectLst/>
-                <a:latin typeface="+mn-lt"/>
-                <a:ea typeface="+mn-ea"/>
-                <a:cs typeface="+mn-cs"/>
-              </a:rPr>
-              <a:t> (q, head); while (!</a:t>
-            </a:r>
-            <a:r>
-              <a:rPr lang="en-US" sz="1300" kern="1200" dirty="0" err="1">
-                <a:solidFill>
-                  <a:schemeClr val="tx1"/>
-                </a:solidFill>
-                <a:effectLst/>
-                <a:latin typeface="+mn-lt"/>
-                <a:ea typeface="+mn-ea"/>
-                <a:cs typeface="+mn-cs"/>
-              </a:rPr>
-              <a:t>queue_is_empty</a:t>
-            </a:r>
-            <a:r>
-              <a:rPr lang="en-US" sz="1300" kern="1200" dirty="0">
-                <a:solidFill>
-                  <a:schemeClr val="tx1"/>
-                </a:solidFill>
-                <a:effectLst/>
-                <a:latin typeface="+mn-lt"/>
-                <a:ea typeface="+mn-ea"/>
-                <a:cs typeface="+mn-cs"/>
-              </a:rPr>
-              <a:t> (q)) { temp = </a:t>
-            </a:r>
-            <a:r>
-              <a:rPr lang="en-US" sz="1300" kern="1200" dirty="0" err="1">
-                <a:solidFill>
-                  <a:schemeClr val="tx1"/>
-                </a:solidFill>
-                <a:effectLst/>
-                <a:latin typeface="+mn-lt"/>
-                <a:ea typeface="+mn-ea"/>
-                <a:cs typeface="+mn-cs"/>
-              </a:rPr>
-              <a:t>queue_remove</a:t>
-            </a:r>
-            <a:r>
-              <a:rPr lang="en-US" sz="1300" kern="1200" dirty="0">
-                <a:solidFill>
-                  <a:schemeClr val="tx1"/>
-                </a:solidFill>
-                <a:effectLst/>
-                <a:latin typeface="+mn-lt"/>
-                <a:ea typeface="+mn-ea"/>
-                <a:cs typeface="+mn-cs"/>
-              </a:rPr>
-              <a:t> (q); if (temp-&gt;left) </a:t>
-            </a:r>
-            <a:r>
-              <a:rPr lang="en-US" sz="1300" kern="1200" dirty="0" err="1">
-                <a:solidFill>
-                  <a:schemeClr val="tx1"/>
-                </a:solidFill>
-                <a:effectLst/>
-                <a:latin typeface="+mn-lt"/>
-                <a:ea typeface="+mn-ea"/>
-                <a:cs typeface="+mn-cs"/>
-              </a:rPr>
-              <a:t>queue_insert</a:t>
-            </a:r>
-            <a:r>
-              <a:rPr lang="en-US" sz="1300" kern="1200" dirty="0">
-                <a:solidFill>
-                  <a:schemeClr val="tx1"/>
-                </a:solidFill>
-                <a:effectLst/>
-                <a:latin typeface="+mn-lt"/>
-                <a:ea typeface="+mn-ea"/>
-                <a:cs typeface="+mn-cs"/>
-              </a:rPr>
-              <a:t> (temp-&gt;left); if (temp-&gt;right) </a:t>
-            </a:r>
-            <a:r>
-              <a:rPr lang="en-US" sz="1300" kern="1200" dirty="0" err="1">
-                <a:solidFill>
-                  <a:schemeClr val="tx1"/>
-                </a:solidFill>
-                <a:effectLst/>
-                <a:latin typeface="+mn-lt"/>
-                <a:ea typeface="+mn-ea"/>
-                <a:cs typeface="+mn-cs"/>
-              </a:rPr>
-              <a:t>queue_insert</a:t>
-            </a:r>
-            <a:r>
-              <a:rPr lang="en-US" sz="1300" kern="1200" dirty="0">
-                <a:solidFill>
-                  <a:schemeClr val="tx1"/>
-                </a:solidFill>
-                <a:effectLst/>
-                <a:latin typeface="+mn-lt"/>
-                <a:ea typeface="+mn-ea"/>
-                <a:cs typeface="+mn-cs"/>
-              </a:rPr>
-              <a:t> (temp-&gt;right); } </a:t>
-            </a:r>
-            <a:r>
-              <a:rPr lang="en-US" sz="1300" kern="1200" dirty="0" err="1">
-                <a:solidFill>
-                  <a:schemeClr val="tx1"/>
-                </a:solidFill>
-                <a:effectLst/>
-                <a:latin typeface="+mn-lt"/>
-                <a:ea typeface="+mn-ea"/>
-                <a:cs typeface="+mn-cs"/>
-              </a:rPr>
-              <a:t>queue_free</a:t>
-            </a:r>
-            <a:r>
-              <a:rPr lang="en-US" sz="1300" kern="1200" dirty="0">
-                <a:solidFill>
-                  <a:schemeClr val="tx1"/>
-                </a:solidFill>
-                <a:effectLst/>
-                <a:latin typeface="+mn-lt"/>
-                <a:ea typeface="+mn-ea"/>
-                <a:cs typeface="+mn-cs"/>
-              </a:rPr>
-              <a:t> (q); return; }</a:t>
-            </a:r>
-            <a:endParaRPr lang="en-US" dirty="0"/>
-          </a:p>
-        </p:txBody>
-      </p:sp>
-    </p:spTree>
-    <p:extLst>
-      <p:ext uri="{BB962C8B-B14F-4D97-AF65-F5344CB8AC3E}">
-        <p14:creationId xmlns:p14="http://schemas.microsoft.com/office/powerpoint/2010/main" val="1783623665"/>
       </p:ext>
     </p:extLst>
   </p:cSld>
@@ -3429,99 +3091,6 @@
       </p:grpSpPr>
       <p:sp>
         <p:nvSpPr>
-          <p:cNvPr id="2" name="Text Placeholder 1">
-            <a:extLst>
-              <a:ext uri="{FF2B5EF4-FFF2-40B4-BE49-F238E27FC236}">
-                <a16:creationId xmlns:a16="http://schemas.microsoft.com/office/drawing/2014/main" id="{B2173497-1018-455A-A65F-6E02DAE19CF2}"/>
-              </a:ext>
-            </a:extLst>
-          </p:cNvPr>
-          <p:cNvSpPr>
-            <a:spLocks noGrp="1"/>
-          </p:cNvSpPr>
-          <p:nvPr>
-            <p:ph type="body" sz="quarter" idx="10"/>
-          </p:nvPr>
-        </p:nvSpPr>
-        <p:spPr>
-          <a:xfrm>
-            <a:off x="0" y="317674"/>
-            <a:ext cx="9245600" cy="742950"/>
-          </a:xfrm>
-        </p:spPr>
-        <p:txBody>
-          <a:bodyPr/>
-          <a:lstStyle/>
-          <a:p>
-            <a:r>
-              <a:rPr lang="en-US" dirty="0"/>
-              <a:t>Insert a new node in the right place (BST)</a:t>
-            </a:r>
-          </a:p>
-        </p:txBody>
-      </p:sp>
-      <p:pic>
-        <p:nvPicPr>
-          <p:cNvPr id="5" name="Picture 4">
-            <a:extLst>
-              <a:ext uri="{FF2B5EF4-FFF2-40B4-BE49-F238E27FC236}">
-                <a16:creationId xmlns:a16="http://schemas.microsoft.com/office/drawing/2014/main" id="{CF3D14C0-CDFF-4B9E-B0EF-B6A48D3B028B}"/>
-              </a:ext>
-            </a:extLst>
-          </p:cNvPr>
-          <p:cNvPicPr>
-            <a:picLocks noChangeAspect="1"/>
-          </p:cNvPicPr>
-          <p:nvPr/>
-        </p:nvPicPr>
-        <p:blipFill>
-          <a:blip r:embed="rId2"/>
-          <a:stretch>
-            <a:fillRect/>
-          </a:stretch>
-        </p:blipFill>
-        <p:spPr>
-          <a:xfrm>
-            <a:off x="0" y="1281687"/>
-            <a:ext cx="10058400" cy="4904570"/>
-          </a:xfrm>
-          <a:prstGeom prst="rect">
-            <a:avLst/>
-          </a:prstGeom>
-        </p:spPr>
-      </p:pic>
-    </p:spTree>
-    <p:extLst>
-      <p:ext uri="{BB962C8B-B14F-4D97-AF65-F5344CB8AC3E}">
-        <p14:creationId xmlns:p14="http://schemas.microsoft.com/office/powerpoint/2010/main" val="1053526158"/>
-      </p:ext>
-    </p:extLst>
-  </p:cSld>
-  <p:clrMapOvr>
-    <a:masterClrMapping/>
-  </p:clrMapOvr>
-</p:sld>
-</file>
-
-<file path=ppt/slides/slide11.xml><?xml version="1.0" encoding="utf-8"?>
-<p:sld xmlns:a="http://schemas.openxmlformats.org/drawingml/2006/main" xmlns:r="http://schemas.openxmlformats.org/officeDocument/2006/relationships" xmlns:p="http://schemas.openxmlformats.org/presentationml/2006/main">
-  <p:cSld>
-    <p:spTree>
-      <p:nvGrpSpPr>
-        <p:cNvPr id="1" name=""/>
-        <p:cNvGrpSpPr/>
-        <p:nvPr/>
-      </p:nvGrpSpPr>
-      <p:grpSpPr>
-        <a:xfrm>
-          <a:off x="0" y="0"/>
-          <a:ext cx="0" cy="0"/>
-          <a:chOff x="0" y="0"/>
-          <a:chExt cx="0" cy="0"/>
-        </a:xfrm>
-      </p:grpSpPr>
-      <p:sp>
-        <p:nvSpPr>
           <p:cNvPr id="2" name="Text Placeholder 1"/>
           <p:cNvSpPr>
             <a:spLocks noGrp="1"/>
@@ -3619,7 +3188,7 @@
 </p:sld>
 </file>
 
-<file path=ppt/slides/slide12.xml><?xml version="1.0" encoding="utf-8"?>
+<file path=ppt/slides/slide11.xml><?xml version="1.0" encoding="utf-8"?>
 <p:sld xmlns:a="http://schemas.openxmlformats.org/drawingml/2006/main" xmlns:r="http://schemas.openxmlformats.org/officeDocument/2006/relationships" xmlns:p="http://schemas.openxmlformats.org/presentationml/2006/main">
   <p:cSld>
     <p:spTree>
@@ -3712,7 +3281,7 @@
 </p:sld>
 </file>
 
-<file path=ppt/slides/slide13.xml><?xml version="1.0" encoding="utf-8"?>
+<file path=ppt/slides/slide12.xml><?xml version="1.0" encoding="utf-8"?>
 <p:sld xmlns:a="http://schemas.openxmlformats.org/drawingml/2006/main" xmlns:r="http://schemas.openxmlformats.org/officeDocument/2006/relationships" xmlns:p="http://schemas.openxmlformats.org/presentationml/2006/main">
   <p:cSld>
     <p:spTree>
@@ -3921,7 +3490,7 @@
 </p:sld>
 </file>
 
-<file path=ppt/slides/slide14.xml><?xml version="1.0" encoding="utf-8"?>
+<file path=ppt/slides/slide13.xml><?xml version="1.0" encoding="utf-8"?>
 <p:sld xmlns:a="http://schemas.openxmlformats.org/drawingml/2006/main" xmlns:r="http://schemas.openxmlformats.org/officeDocument/2006/relationships" xmlns:p="http://schemas.openxmlformats.org/presentationml/2006/main">
   <p:cSld>
     <p:spTree>
@@ -4067,7 +3636,7 @@
 </p:sld>
 </file>
 
-<file path=ppt/slides/slide15.xml><?xml version="1.0" encoding="utf-8"?>
+<file path=ppt/slides/slide14.xml><?xml version="1.0" encoding="utf-8"?>
 <p:sld xmlns:a="http://schemas.openxmlformats.org/drawingml/2006/main" xmlns:r="http://schemas.openxmlformats.org/officeDocument/2006/relationships" xmlns:p="http://schemas.openxmlformats.org/presentationml/2006/main">
   <p:cSld>
     <p:spTree>
@@ -4276,7 +3845,7 @@
 </p:sld>
 </file>
 
-<file path=ppt/slides/slide16.xml><?xml version="1.0" encoding="utf-8"?>
+<file path=ppt/slides/slide15.xml><?xml version="1.0" encoding="utf-8"?>
 <p:sld xmlns:a="http://schemas.openxmlformats.org/drawingml/2006/main" xmlns:r="http://schemas.openxmlformats.org/officeDocument/2006/relationships" xmlns:p="http://schemas.openxmlformats.org/presentationml/2006/main">
   <p:cSld>
     <p:spTree>
@@ -5411,14 +4980,48 @@
             <p:ph type="body" sz="quarter" idx="10"/>
           </p:nvPr>
         </p:nvSpPr>
-        <p:spPr/>
+        <p:spPr>
+          <a:xfrm>
+            <a:off x="444500" y="386771"/>
+            <a:ext cx="9245600" cy="742950"/>
+          </a:xfrm>
+        </p:spPr>
         <p:txBody>
           <a:bodyPr/>
           <a:lstStyle/>
           <a:p>
             <a:r>
               <a:rPr lang="en-US" dirty="0"/>
-              <a:t>Tree Traversal – BFS &amp; DFS</a:t>
+              <a:t>Binary Search Tree</a:t>
+            </a:r>
+          </a:p>
+        </p:txBody>
+      </p:sp>
+      <p:sp>
+        <p:nvSpPr>
+          <p:cNvPr id="7" name="TextBox 6"/>
+          <p:cNvSpPr txBox="1"/>
+          <p:nvPr/>
+        </p:nvSpPr>
+        <p:spPr>
+          <a:xfrm>
+            <a:off x="9647865" y="6614044"/>
+            <a:ext cx="314510" cy="400110"/>
+          </a:xfrm>
+          <a:prstGeom prst="rect">
+            <a:avLst/>
+          </a:prstGeom>
+          <a:noFill/>
+        </p:spPr>
+        <p:txBody>
+          <a:bodyPr wrap="none" rtlCol="0">
+            <a:spAutoFit/>
+          </a:bodyPr>
+          <a:lstStyle/>
+          <a:p>
+            <a:r>
+              <a:rPr lang="en-US" dirty="0"/>
+              <a:t>5</a:t>
             </a:r>
           </a:p>
         </p:txBody>
@@ -5433,30 +5036,99 @@
             <p:ph type="body" sz="quarter" idx="12"/>
           </p:nvPr>
         </p:nvSpPr>
-        <p:spPr/>
+        <p:spPr>
+          <a:xfrm>
+            <a:off x="444500" y="1211350"/>
+            <a:ext cx="9245600" cy="4826000"/>
+          </a:xfrm>
+        </p:spPr>
         <p:txBody>
           <a:bodyPr/>
           <a:lstStyle/>
           <a:p>
+            <a:r>
+              <a:rPr lang="en-US" dirty="0"/>
+              <a:t>Data of nodes on the </a:t>
+            </a:r>
+            <a:r>
+              <a:rPr lang="en-US" b="1" dirty="0"/>
+              <a:t>left </a:t>
+            </a:r>
+            <a:r>
+              <a:rPr lang="en-US" b="1" dirty="0" err="1"/>
+              <a:t>subtree</a:t>
+            </a:r>
+            <a:r>
+              <a:rPr lang="en-US" b="1" dirty="0"/>
+              <a:t> </a:t>
+            </a:r>
+            <a:r>
+              <a:rPr lang="en-US" dirty="0"/>
+              <a:t>is </a:t>
+            </a:r>
+            <a:r>
+              <a:rPr lang="en-US" b="1" dirty="0"/>
+              <a:t>smaller</a:t>
+            </a:r>
+            <a:r>
+              <a:rPr lang="en-US" dirty="0"/>
+              <a:t> than the data of parent node</a:t>
+            </a:r>
+          </a:p>
+          <a:p>
+            <a:r>
+              <a:rPr lang="en-US" dirty="0"/>
+              <a:t>Data of nodes on the </a:t>
+            </a:r>
+            <a:r>
+              <a:rPr lang="en-US" b="1" dirty="0"/>
+              <a:t>right </a:t>
+            </a:r>
+            <a:r>
+              <a:rPr lang="en-US" b="1" dirty="0" err="1"/>
+              <a:t>subtree</a:t>
+            </a:r>
+            <a:r>
+              <a:rPr lang="en-US" b="1" dirty="0"/>
+              <a:t> </a:t>
+            </a:r>
+            <a:r>
+              <a:rPr lang="en-US" dirty="0"/>
+              <a:t>is </a:t>
+            </a:r>
+            <a:r>
+              <a:rPr lang="en-US" b="1" dirty="0"/>
+              <a:t>larger</a:t>
+            </a:r>
+            <a:r>
+              <a:rPr lang="en-US" dirty="0"/>
+              <a:t> than the data of parent node</a:t>
+            </a:r>
+          </a:p>
+          <a:p>
+            <a:r>
+              <a:rPr lang="en-US" dirty="0"/>
+              <a:t>Both left and right </a:t>
+            </a:r>
+            <a:r>
+              <a:rPr lang="en-US" dirty="0" err="1"/>
+              <a:t>subtrees</a:t>
+            </a:r>
+            <a:r>
+              <a:rPr lang="en-US" dirty="0"/>
+              <a:t> must also be BST</a:t>
+            </a:r>
+          </a:p>
+          <a:p>
+            <a:r>
+              <a:rPr lang="en-US" dirty="0"/>
+              <a:t>Data in each node is unique</a:t>
+            </a:r>
+          </a:p>
+          <a:p>
             <a:pPr marL="0" indent="0">
               <a:buNone/>
             </a:pPr>
-            <a:r>
-              <a:rPr lang="en-US" b="1" dirty="0"/>
-              <a:t>Breadth-First Search </a:t>
-            </a:r>
-            <a:r>
-              <a:rPr lang="en-US" dirty="0"/>
-              <a:t>(level-order)</a:t>
-            </a:r>
-          </a:p>
-          <a:p>
-            <a:endParaRPr lang="en-US" dirty="0"/>
-          </a:p>
-          <a:p>
-            <a:endParaRPr lang="en-US" dirty="0"/>
-          </a:p>
-          <a:p>
             <a:endParaRPr lang="en-US" dirty="0"/>
           </a:p>
           <a:p>
@@ -5464,123 +5136,81 @@
               <a:buNone/>
             </a:pPr>
             <a:r>
-              <a:rPr lang="en-US" b="1" dirty="0"/>
-              <a:t>Depth-First Search </a:t>
-            </a:r>
-          </a:p>
-          <a:p>
-            <a:pPr marL="457200" indent="-457200">
-              <a:buFont typeface="+mj-lt"/>
-              <a:buAutoNum type="arabicPeriod"/>
+              <a:rPr lang="en-US" dirty="0"/>
+              <a:t>What is the sequence of access for </a:t>
+            </a:r>
+          </a:p>
+          <a:p>
+            <a:pPr marL="0" indent="0">
+              <a:buNone/>
             </a:pPr>
             <a:r>
               <a:rPr lang="en-US" dirty="0"/>
-              <a:t>Pre-order: </a:t>
-            </a:r>
-            <a:r>
-              <a:rPr lang="en-US" b="1" dirty="0">
-                <a:solidFill>
-                  <a:srgbClr val="C00000"/>
-                </a:solidFill>
-              </a:rPr>
-              <a:t>root</a:t>
-            </a:r>
+              <a:t>1. pre-order traversal?</a:t>
+            </a:r>
+          </a:p>
+          <a:p>
+            <a:pPr marL="0" indent="0">
+              <a:buNone/>
+            </a:pPr>
+            <a:endParaRPr lang="en-US" sz="2400" dirty="0"/>
+          </a:p>
+          <a:p>
+            <a:pPr marL="0" indent="0">
+              <a:buNone/>
+            </a:pPr>
             <a:r>
               <a:rPr lang="en-US" dirty="0"/>
-              <a:t>, left, right</a:t>
-            </a:r>
-          </a:p>
-          <a:p>
-            <a:pPr marL="457200" indent="-457200">
-              <a:buFont typeface="+mj-lt"/>
-              <a:buAutoNum type="arabicPeriod"/>
+              <a:t>2. in-order traversal?</a:t>
+            </a:r>
+          </a:p>
+          <a:p>
+            <a:pPr marL="0" indent="0">
+              <a:buNone/>
+            </a:pPr>
+            <a:endParaRPr lang="en-US" sz="2400" dirty="0"/>
+          </a:p>
+          <a:p>
+            <a:pPr marL="0" indent="0">
+              <a:buNone/>
+            </a:pPr>
+            <a:r>
+              <a:rPr lang="en-US" dirty="0"/>
+              <a:t>3. post-order traversal?</a:t>
+            </a:r>
+          </a:p>
+          <a:p>
+            <a:pPr marL="0" indent="0">
+              <a:buNone/>
             </a:pPr>
             <a:endParaRPr lang="en-US" dirty="0"/>
           </a:p>
           <a:p>
-            <a:pPr marL="457200" indent="-457200">
-              <a:buFont typeface="+mj-lt"/>
-              <a:buAutoNum type="arabicPeriod"/>
+            <a:pPr marL="0" indent="0">
+              <a:buNone/>
             </a:pPr>
-            <a:r>
-              <a:rPr lang="en-US" dirty="0"/>
-              <a:t>In-order: left, </a:t>
-            </a:r>
-            <a:r>
-              <a:rPr lang="en-US" b="1" dirty="0">
-                <a:solidFill>
-                  <a:srgbClr val="C00000"/>
-                </a:solidFill>
+            <a:endParaRPr lang="en-US" sz="800" dirty="0"/>
+          </a:p>
+          <a:p>
+            <a:pPr marL="0" indent="0">
+              <a:buNone/>
+            </a:pPr>
+            <a:r>
+              <a:rPr lang="en-US" sz="1800" b="1" dirty="0">
+                <a:hlinkClick r:id="rId2"/>
               </a:rPr>
-              <a:t>root</a:t>
-            </a:r>
-            <a:r>
-              <a:rPr lang="en-US" dirty="0"/>
-              <a:t>, right</a:t>
-            </a:r>
-          </a:p>
-          <a:p>
-            <a:pPr marL="457200" indent="-457200">
-              <a:buFont typeface="+mj-lt"/>
-              <a:buAutoNum type="arabicPeriod"/>
-            </a:pPr>
-            <a:endParaRPr lang="en-US" dirty="0"/>
-          </a:p>
-          <a:p>
-            <a:pPr marL="457200" indent="-457200">
-              <a:buFont typeface="+mj-lt"/>
-              <a:buAutoNum type="arabicPeriod"/>
-            </a:pPr>
-            <a:r>
-              <a:rPr lang="en-US" dirty="0"/>
-              <a:t>Post-order: left, right, </a:t>
-            </a:r>
-            <a:r>
-              <a:rPr lang="en-US" b="1" dirty="0">
-                <a:solidFill>
-                  <a:srgbClr val="C00000"/>
-                </a:solidFill>
-              </a:rPr>
-              <a:t>root</a:t>
-            </a:r>
-          </a:p>
-        </p:txBody>
-      </p:sp>
-      <p:sp>
-        <p:nvSpPr>
-          <p:cNvPr id="5" name="TextBox 4"/>
-          <p:cNvSpPr txBox="1"/>
-          <p:nvPr/>
-        </p:nvSpPr>
-        <p:spPr>
-          <a:xfrm>
-            <a:off x="9647865" y="6614044"/>
-            <a:ext cx="314510" cy="400110"/>
-          </a:xfrm>
-          <a:prstGeom prst="rect">
-            <a:avLst/>
-          </a:prstGeom>
-          <a:noFill/>
-        </p:spPr>
-        <p:txBody>
-          <a:bodyPr wrap="none" rtlCol="0">
-            <a:spAutoFit/>
-          </a:bodyPr>
-          <a:lstStyle/>
-          <a:p>
-            <a:r>
-              <a:rPr lang="en-US" dirty="0"/>
-              <a:t>4</a:t>
-            </a:r>
+              <a:t>http://visualgo.net/bst.html</a:t>
+            </a:r>
+            <a:endParaRPr lang="en-US" sz="1800" b="1" dirty="0"/>
           </a:p>
         </p:txBody>
       </p:sp>
       <p:pic>
         <p:nvPicPr>
-          <p:cNvPr id="7" name="Picture 6">
+          <p:cNvPr id="4" name="Picture 3">
             <a:extLst>
               <a:ext uri="{FF2B5EF4-FFF2-40B4-BE49-F238E27FC236}">
-                <a16:creationId xmlns:a16="http://schemas.microsoft.com/office/drawing/2014/main" id="{83A4A23D-761A-4549-91EE-1BC87FAE366B}"/>
+                <a16:creationId xmlns:a16="http://schemas.microsoft.com/office/drawing/2014/main" id="{42C6CE1F-E1AF-45C6-A129-5B158BF84B9B}"/>
               </a:ext>
             </a:extLst>
           </p:cNvPr>
@@ -5597,8 +5227,8 @@
         </p:blipFill>
         <p:spPr>
           <a:xfrm>
-            <a:off x="4376925" y="2127354"/>
-            <a:ext cx="5428195" cy="4114800"/>
+            <a:off x="5958673" y="2187503"/>
+            <a:ext cx="3655227" cy="4527623"/>
           </a:xfrm>
           <a:prstGeom prst="rect">
             <a:avLst/>
@@ -5608,7 +5238,7 @@
     </p:spTree>
     <p:extLst>
       <p:ext uri="{BB962C8B-B14F-4D97-AF65-F5344CB8AC3E}">
-        <p14:creationId xmlns:p14="http://schemas.microsoft.com/office/powerpoint/2010/main" val="114858790"/>
+        <p14:creationId xmlns:p14="http://schemas.microsoft.com/office/powerpoint/2010/main" val="1271362121"/>
       </p:ext>
     </p:extLst>
   </p:cSld>
@@ -5637,7 +5267,13 @@
       </p:grpSpPr>
       <p:sp>
         <p:nvSpPr>
-          <p:cNvPr id="2" name="Text Placeholder 1"/>
+          <p:cNvPr id="2" name="Text Placeholder 1">
+            <a:extLst>
+              <a:ext uri="{FF2B5EF4-FFF2-40B4-BE49-F238E27FC236}">
+                <a16:creationId xmlns:a16="http://schemas.microsoft.com/office/drawing/2014/main" id="{B2173497-1018-455A-A65F-6E02DAE19CF2}"/>
+              </a:ext>
+            </a:extLst>
+          </p:cNvPr>
           <p:cNvSpPr>
             <a:spLocks noGrp="1"/>
           </p:cNvSpPr>
@@ -5647,7 +5283,7 @@
         </p:nvSpPr>
         <p:spPr>
           <a:xfrm>
-            <a:off x="444500" y="386771"/>
+            <a:off x="0" y="317674"/>
             <a:ext cx="9245600" cy="742950"/>
           </a:xfrm>
         </p:spPr>
@@ -5657,225 +5293,17 @@
           <a:p>
             <a:r>
               <a:rPr lang="en-US" dirty="0"/>
-              <a:t>Binary Search Tree</a:t>
-            </a:r>
-          </a:p>
-        </p:txBody>
-      </p:sp>
-      <p:sp>
-        <p:nvSpPr>
-          <p:cNvPr id="7" name="TextBox 6"/>
-          <p:cNvSpPr txBox="1"/>
-          <p:nvPr/>
-        </p:nvSpPr>
-        <p:spPr>
-          <a:xfrm>
-            <a:off x="9647865" y="6614044"/>
-            <a:ext cx="314510" cy="400110"/>
-          </a:xfrm>
-          <a:prstGeom prst="rect">
-            <a:avLst/>
-          </a:prstGeom>
-          <a:noFill/>
-        </p:spPr>
-        <p:txBody>
-          <a:bodyPr wrap="none" rtlCol="0">
-            <a:spAutoFit/>
-          </a:bodyPr>
-          <a:lstStyle/>
-          <a:p>
-            <a:r>
-              <a:rPr lang="en-US" dirty="0"/>
-              <a:t>5</a:t>
-            </a:r>
-          </a:p>
-        </p:txBody>
-      </p:sp>
-      <p:sp>
-        <p:nvSpPr>
-          <p:cNvPr id="3" name="Text Placeholder 2"/>
-          <p:cNvSpPr>
-            <a:spLocks noGrp="1"/>
-          </p:cNvSpPr>
-          <p:nvPr>
-            <p:ph type="body" sz="quarter" idx="12"/>
-          </p:nvPr>
-        </p:nvSpPr>
-        <p:spPr>
-          <a:xfrm>
-            <a:off x="444500" y="1211350"/>
-            <a:ext cx="9245600" cy="4826000"/>
-          </a:xfrm>
-        </p:spPr>
-        <p:txBody>
-          <a:bodyPr/>
-          <a:lstStyle/>
-          <a:p>
-            <a:r>
-              <a:rPr lang="en-US" dirty="0"/>
-              <a:t>Data of nodes on the </a:t>
-            </a:r>
-            <a:r>
-              <a:rPr lang="en-US" b="1" dirty="0"/>
-              <a:t>left </a:t>
-            </a:r>
-            <a:r>
-              <a:rPr lang="en-US" b="1" dirty="0" err="1"/>
-              <a:t>subtree</a:t>
-            </a:r>
-            <a:r>
-              <a:rPr lang="en-US" b="1" dirty="0"/>
-              <a:t> </a:t>
-            </a:r>
-            <a:r>
-              <a:rPr lang="en-US" dirty="0"/>
-              <a:t>is </a:t>
-            </a:r>
-            <a:r>
-              <a:rPr lang="en-US" b="1" dirty="0"/>
-              <a:t>smaller</a:t>
-            </a:r>
-            <a:r>
-              <a:rPr lang="en-US" dirty="0"/>
-              <a:t> than the data of parent node</a:t>
-            </a:r>
-          </a:p>
-          <a:p>
-            <a:r>
-              <a:rPr lang="en-US" dirty="0"/>
-              <a:t>Data of nodes on the </a:t>
-            </a:r>
-            <a:r>
-              <a:rPr lang="en-US" b="1" dirty="0"/>
-              <a:t>right </a:t>
-            </a:r>
-            <a:r>
-              <a:rPr lang="en-US" b="1" dirty="0" err="1"/>
-              <a:t>subtree</a:t>
-            </a:r>
-            <a:r>
-              <a:rPr lang="en-US" b="1" dirty="0"/>
-              <a:t> </a:t>
-            </a:r>
-            <a:r>
-              <a:rPr lang="en-US" dirty="0"/>
-              <a:t>is </a:t>
-            </a:r>
-            <a:r>
-              <a:rPr lang="en-US" b="1" dirty="0"/>
-              <a:t>larger</a:t>
-            </a:r>
-            <a:r>
-              <a:rPr lang="en-US" dirty="0"/>
-              <a:t> than the data of parent node</a:t>
-            </a:r>
-          </a:p>
-          <a:p>
-            <a:r>
-              <a:rPr lang="en-US" dirty="0"/>
-              <a:t>Both left and right </a:t>
-            </a:r>
-            <a:r>
-              <a:rPr lang="en-US" dirty="0" err="1"/>
-              <a:t>subtrees</a:t>
-            </a:r>
-            <a:r>
-              <a:rPr lang="en-US" dirty="0"/>
-              <a:t> must also be BST</a:t>
-            </a:r>
-          </a:p>
-          <a:p>
-            <a:r>
-              <a:rPr lang="en-US" dirty="0"/>
-              <a:t>Data in each node is unique</a:t>
-            </a:r>
-          </a:p>
-          <a:p>
-            <a:pPr marL="0" indent="0">
-              <a:buNone/>
-            </a:pPr>
-            <a:endParaRPr lang="en-US" dirty="0"/>
-          </a:p>
-          <a:p>
-            <a:pPr marL="0" indent="0">
-              <a:buNone/>
-            </a:pPr>
-            <a:r>
-              <a:rPr lang="en-US" dirty="0"/>
-              <a:t>What is the sequence of access for </a:t>
-            </a:r>
-          </a:p>
-          <a:p>
-            <a:pPr marL="0" indent="0">
-              <a:buNone/>
-            </a:pPr>
-            <a:r>
-              <a:rPr lang="en-US" dirty="0"/>
-              <a:t>1. pre-order traversal?</a:t>
-            </a:r>
-          </a:p>
-          <a:p>
-            <a:pPr marL="0" indent="0">
-              <a:buNone/>
-            </a:pPr>
-            <a:endParaRPr lang="en-US" sz="2400" dirty="0"/>
-          </a:p>
-          <a:p>
-            <a:pPr marL="0" indent="0">
-              <a:buNone/>
-            </a:pPr>
-            <a:r>
-              <a:rPr lang="en-US" dirty="0"/>
-              <a:t>2. in-order traversal?</a:t>
-            </a:r>
-          </a:p>
-          <a:p>
-            <a:pPr marL="0" indent="0">
-              <a:buNone/>
-            </a:pPr>
-            <a:endParaRPr lang="en-US" sz="2400" dirty="0"/>
-          </a:p>
-          <a:p>
-            <a:pPr marL="0" indent="0">
-              <a:buNone/>
-            </a:pPr>
-            <a:r>
-              <a:rPr lang="en-US" dirty="0"/>
-              <a:t>3. post-order traversal?</a:t>
-            </a:r>
-          </a:p>
-          <a:p>
-            <a:pPr marL="0" indent="0">
-              <a:buNone/>
-            </a:pPr>
-            <a:endParaRPr lang="en-US" dirty="0"/>
-          </a:p>
-          <a:p>
-            <a:pPr marL="0" indent="0">
-              <a:buNone/>
-            </a:pPr>
-            <a:endParaRPr lang="en-US" sz="800" dirty="0"/>
-          </a:p>
-          <a:p>
-            <a:pPr marL="0" indent="0">
-              <a:buNone/>
-            </a:pPr>
-            <a:r>
-              <a:rPr lang="en-US" sz="1800" b="1" dirty="0">
-                <a:hlinkClick r:id="rId2"/>
-              </a:rPr>
-              <a:t>http://visualgo.net/bst.html</a:t>
-            </a:r>
-            <a:endParaRPr lang="en-US" sz="1800" b="1" dirty="0"/>
+              <a:t>Insert a new node in the right place (BST)</a:t>
+            </a:r>
           </a:p>
         </p:txBody>
       </p:sp>
       <p:pic>
         <p:nvPicPr>
-          <p:cNvPr id="4" name="Picture 3">
+          <p:cNvPr id="5" name="Picture 4">
             <a:extLst>
               <a:ext uri="{FF2B5EF4-FFF2-40B4-BE49-F238E27FC236}">
-                <a16:creationId xmlns:a16="http://schemas.microsoft.com/office/drawing/2014/main" id="{42C6CE1F-E1AF-45C6-A129-5B158BF84B9B}"/>
+                <a16:creationId xmlns:a16="http://schemas.microsoft.com/office/drawing/2014/main" id="{CF3D14C0-CDFF-4B9E-B0EF-B6A48D3B028B}"/>
               </a:ext>
             </a:extLst>
           </p:cNvPr>
@@ -5885,15 +5313,15 @@
           <p:nvPr/>
         </p:nvPicPr>
         <p:blipFill>
-          <a:blip r:embed="rId3"/>
+          <a:blip r:embed="rId2"/>
           <a:stretch>
             <a:fillRect/>
           </a:stretch>
         </p:blipFill>
         <p:spPr>
           <a:xfrm>
-            <a:off x="5958673" y="2187503"/>
-            <a:ext cx="3655227" cy="4527623"/>
+            <a:off x="0" y="1281687"/>
+            <a:ext cx="10058400" cy="4904570"/>
           </a:xfrm>
           <a:prstGeom prst="rect">
             <a:avLst/>
@@ -5903,7 +5331,7 @@
     </p:spTree>
     <p:extLst>
       <p:ext uri="{BB962C8B-B14F-4D97-AF65-F5344CB8AC3E}">
-        <p14:creationId xmlns:p14="http://schemas.microsoft.com/office/powerpoint/2010/main" val="1271362121"/>
+        <p14:creationId xmlns:p14="http://schemas.microsoft.com/office/powerpoint/2010/main" val="1053526158"/>
       </p:ext>
     </p:extLst>
   </p:cSld>

--- a/Lecture#21/Lecture_21_handout.pptx
+++ b/Lecture#21/Lecture_21_handout.pptx
@@ -6,10 +6,10 @@
     <p:sldMasterId id="2147483665" r:id="rId2"/>
   </p:sldMasterIdLst>
   <p:notesMasterIdLst>
-    <p:notesMasterId r:id="rId18"/>
+    <p:notesMasterId r:id="rId19"/>
   </p:notesMasterIdLst>
   <p:handoutMasterIdLst>
-    <p:handoutMasterId r:id="rId19"/>
+    <p:handoutMasterId r:id="rId20"/>
   </p:handoutMasterIdLst>
   <p:sldIdLst>
     <p:sldId id="260" r:id="rId3"/>
@@ -27,6 +27,7 @@
     <p:sldId id="425" r:id="rId15"/>
     <p:sldId id="481" r:id="rId16"/>
     <p:sldId id="482" r:id="rId17"/>
+    <p:sldId id="483" r:id="rId18"/>
   </p:sldIdLst>
   <p:sldSz cx="10058400" cy="7772400"/>
   <p:notesSz cx="7315200" cy="9601200"/>
@@ -3936,6 +3937,99 @@
     <p:extLst>
       <p:ext uri="{BB962C8B-B14F-4D97-AF65-F5344CB8AC3E}">
         <p14:creationId xmlns:p14="http://schemas.microsoft.com/office/powerpoint/2010/main" val="3569597104"/>
+      </p:ext>
+    </p:extLst>
+  </p:cSld>
+  <p:clrMapOvr>
+    <a:masterClrMapping/>
+  </p:clrMapOvr>
+</p:sld>
+</file>
+
+<file path=ppt/slides/slide16.xml><?xml version="1.0" encoding="utf-8"?>
+<p:sld xmlns:a="http://schemas.openxmlformats.org/drawingml/2006/main" xmlns:r="http://schemas.openxmlformats.org/officeDocument/2006/relationships" xmlns:p="http://schemas.openxmlformats.org/presentationml/2006/main">
+  <p:cSld>
+    <p:spTree>
+      <p:nvGrpSpPr>
+        <p:cNvPr id="1" name=""/>
+        <p:cNvGrpSpPr/>
+        <p:nvPr/>
+      </p:nvGrpSpPr>
+      <p:grpSpPr>
+        <a:xfrm>
+          <a:off x="0" y="0"/>
+          <a:ext cx="0" cy="0"/>
+          <a:chOff x="0" y="0"/>
+          <a:chExt cx="0" cy="0"/>
+        </a:xfrm>
+      </p:grpSpPr>
+      <p:sp>
+        <p:nvSpPr>
+          <p:cNvPr id="2" name="Text Placeholder 1">
+            <a:extLst>
+              <a:ext uri="{FF2B5EF4-FFF2-40B4-BE49-F238E27FC236}">
+                <a16:creationId xmlns:a16="http://schemas.microsoft.com/office/drawing/2014/main" id="{D6066218-6833-406D-9A15-9FD28C5BC705}"/>
+              </a:ext>
+            </a:extLst>
+          </p:cNvPr>
+          <p:cNvSpPr>
+            <a:spLocks noGrp="1"/>
+          </p:cNvSpPr>
+          <p:nvPr>
+            <p:ph type="body" sz="quarter" idx="10"/>
+          </p:nvPr>
+        </p:nvSpPr>
+        <p:spPr>
+          <a:xfrm>
+            <a:off x="444500" y="357868"/>
+            <a:ext cx="9245600" cy="742950"/>
+          </a:xfrm>
+        </p:spPr>
+        <p:txBody>
+          <a:bodyPr/>
+          <a:lstStyle/>
+          <a:p>
+            <a:r>
+              <a:rPr lang="en-US" dirty="0"/>
+              <a:t>Height of BST</a:t>
+            </a:r>
+          </a:p>
+        </p:txBody>
+      </p:sp>
+      <p:pic>
+        <p:nvPicPr>
+          <p:cNvPr id="4" name="Picture 3">
+            <a:extLst>
+              <a:ext uri="{FF2B5EF4-FFF2-40B4-BE49-F238E27FC236}">
+                <a16:creationId xmlns:a16="http://schemas.microsoft.com/office/drawing/2014/main" id="{8A216E3A-4DCE-47FE-B921-7E30047BFCAE}"/>
+              </a:ext>
+            </a:extLst>
+          </p:cNvPr>
+          <p:cNvPicPr>
+            <a:picLocks noChangeAspect="1"/>
+          </p:cNvPicPr>
+          <p:nvPr/>
+        </p:nvPicPr>
+        <p:blipFill>
+          <a:blip r:embed="rId2"/>
+          <a:stretch>
+            <a:fillRect/>
+          </a:stretch>
+        </p:blipFill>
+        <p:spPr>
+          <a:xfrm>
+            <a:off x="1757362" y="1243012"/>
+            <a:ext cx="6543675" cy="5286375"/>
+          </a:xfrm>
+          <a:prstGeom prst="rect">
+            <a:avLst/>
+          </a:prstGeom>
+        </p:spPr>
+      </p:pic>
+    </p:spTree>
+    <p:extLst>
+      <p:ext uri="{BB962C8B-B14F-4D97-AF65-F5344CB8AC3E}">
+        <p14:creationId xmlns:p14="http://schemas.microsoft.com/office/powerpoint/2010/main" val="3242379329"/>
       </p:ext>
     </p:extLst>
   </p:cSld>
